--- a/박근모 - 메인/레이아웃.pptx
+++ b/박근모 - 메인/레이아웃.pptx
@@ -6,9 +6,10 @@
   </p:sldMasterIdLst>
   <p:sldIdLst>
     <p:sldId id="257" r:id="rId2"/>
-    <p:sldId id="256" r:id="rId3"/>
-    <p:sldId id="258" r:id="rId4"/>
-    <p:sldId id="259" r:id="rId5"/>
+    <p:sldId id="260" r:id="rId3"/>
+    <p:sldId id="256" r:id="rId4"/>
+    <p:sldId id="258" r:id="rId5"/>
+    <p:sldId id="259" r:id="rId6"/>
   </p:sldIdLst>
   <p:sldSz cx="12192000" cy="6858000"/>
   <p:notesSz cx="6858000" cy="9144000"/>
@@ -3710,12 +3711,15 @@
           <p:spPr>
             <a:xfrm>
               <a:off x="5347118" y="2856359"/>
-              <a:ext cx="1464906" cy="954107"/>
+              <a:ext cx="1464906" cy="738664"/>
             </a:xfrm>
             <a:prstGeom prst="rect">
               <a:avLst/>
             </a:prstGeom>
             <a:noFill/>
+            <a:ln>
+              <a:noFill/>
+            </a:ln>
           </p:spPr>
           <p:txBody>
             <a:bodyPr wrap="square" rtlCol="0">
@@ -3733,22 +3737,13 @@
                     <a:schemeClr val="tx1"/>
                   </a:solidFill>
                 </a:rPr>
-                <a:t>Catagori</a:t>
-              </a:r>
-            </a:p>
-            <a:p>
-              <a:pPr marL="285750" indent="-285750">
-                <a:buFont typeface="Arial" panose="020B0604020202020204" pitchFamily="34" charset="0"/>
-                <a:buChar char="•"/>
-              </a:pPr>
-              <a:r>
-                <a:rPr lang="en-US" altLang="ko-KR" sz="1400" dirty="0" smtClean="0">
-                  <a:solidFill>
-                    <a:schemeClr val="tx1"/>
-                  </a:solidFill>
-                </a:rPr>
                 <a:t>Img</a:t>
               </a:r>
+              <a:endParaRPr lang="en-US" altLang="ko-KR" sz="1400" dirty="0" smtClean="0">
+                <a:solidFill>
+                  <a:schemeClr val="tx1"/>
+                </a:solidFill>
+              </a:endParaRPr>
             </a:p>
             <a:p>
               <a:pPr marL="285750" indent="-285750">
@@ -3802,6 +3797,801 @@
 </file>
 
 <file path=ppt/slides/slide2.xml><?xml version="1.0" encoding="utf-8"?>
+<p:sld xmlns:a="http://schemas.openxmlformats.org/drawingml/2006/main" xmlns:r="http://schemas.openxmlformats.org/officeDocument/2006/relationships" xmlns:p="http://schemas.openxmlformats.org/presentationml/2006/main">
+  <p:cSld>
+    <p:spTree>
+      <p:nvGrpSpPr>
+        <p:cNvPr id="1" name=""/>
+        <p:cNvGrpSpPr/>
+        <p:nvPr/>
+      </p:nvGrpSpPr>
+      <p:grpSpPr>
+        <a:xfrm>
+          <a:off x="0" y="0"/>
+          <a:ext cx="0" cy="0"/>
+          <a:chOff x="0" y="0"/>
+          <a:chExt cx="0" cy="0"/>
+        </a:xfrm>
+      </p:grpSpPr>
+      <p:sp>
+        <p:nvSpPr>
+          <p:cNvPr id="2" name="TextBox 1"/>
+          <p:cNvSpPr txBox="1"/>
+          <p:nvPr/>
+        </p:nvSpPr>
+        <p:spPr>
+          <a:xfrm>
+            <a:off x="4627983" y="445564"/>
+            <a:ext cx="2903177" cy="369332"/>
+          </a:xfrm>
+          <a:prstGeom prst="rect">
+            <a:avLst/>
+          </a:prstGeom>
+          <a:noFill/>
+        </p:spPr>
+        <p:txBody>
+          <a:bodyPr wrap="square" rtlCol="0">
+            <a:spAutoFit/>
+          </a:bodyPr>
+          <a:lstStyle/>
+          <a:p>
+            <a:pPr algn="ctr"/>
+            <a:r>
+              <a:rPr lang="en-US" altLang="ko-KR" dirty="0" smtClean="0"/>
+              <a:t>Main </a:t>
+            </a:r>
+            <a:r>
+              <a:rPr lang="en-US" altLang="ko-KR" dirty="0" smtClean="0"/>
+              <a:t>App Page</a:t>
+            </a:r>
+            <a:endParaRPr lang="ko-KR" altLang="en-US" dirty="0"/>
+          </a:p>
+        </p:txBody>
+      </p:sp>
+      <p:grpSp>
+        <p:nvGrpSpPr>
+          <p:cNvPr id="5" name="그룹 4"/>
+          <p:cNvGrpSpPr/>
+          <p:nvPr/>
+        </p:nvGrpSpPr>
+        <p:grpSpPr>
+          <a:xfrm>
+            <a:off x="4098175" y="852830"/>
+            <a:ext cx="4062546" cy="6005170"/>
+            <a:chOff x="4098175" y="852830"/>
+            <a:chExt cx="4062546" cy="6005170"/>
+          </a:xfrm>
+        </p:grpSpPr>
+        <p:sp>
+          <p:nvSpPr>
+            <p:cNvPr id="4" name="직사각형 3"/>
+            <p:cNvSpPr/>
+            <p:nvPr/>
+          </p:nvSpPr>
+          <p:spPr>
+            <a:xfrm>
+              <a:off x="4098175" y="852830"/>
+              <a:ext cx="4062546" cy="5611091"/>
+            </a:xfrm>
+            <a:prstGeom prst="rect">
+              <a:avLst/>
+            </a:prstGeom>
+            <a:solidFill>
+              <a:schemeClr val="accent2"/>
+            </a:solidFill>
+            <a:ln>
+              <a:noFill/>
+            </a:ln>
+          </p:spPr>
+          <p:style>
+            <a:lnRef idx="2">
+              <a:schemeClr val="accent1">
+                <a:shade val="50000"/>
+              </a:schemeClr>
+            </a:lnRef>
+            <a:fillRef idx="1">
+              <a:schemeClr val="accent1"/>
+            </a:fillRef>
+            <a:effectRef idx="0">
+              <a:schemeClr val="accent1"/>
+            </a:effectRef>
+            <a:fontRef idx="minor">
+              <a:schemeClr val="lt1"/>
+            </a:fontRef>
+          </p:style>
+          <p:txBody>
+            <a:bodyPr rtlCol="0" anchor="ctr"/>
+            <a:lstStyle/>
+            <a:p>
+              <a:pPr algn="ctr"/>
+              <a:endParaRPr lang="ko-KR" altLang="en-US" sz="1400"/>
+            </a:p>
+          </p:txBody>
+        </p:sp>
+        <p:sp>
+          <p:nvSpPr>
+            <p:cNvPr id="10" name="모서리가 둥근 직사각형 9"/>
+            <p:cNvSpPr/>
+            <p:nvPr/>
+          </p:nvSpPr>
+          <p:spPr>
+            <a:xfrm>
+              <a:off x="4462418" y="3489561"/>
+              <a:ext cx="3391142" cy="820956"/>
+            </a:xfrm>
+            <a:prstGeom prst="roundRect">
+              <a:avLst>
+                <a:gd name="adj" fmla="val 3618"/>
+              </a:avLst>
+            </a:prstGeom>
+            <a:solidFill>
+              <a:schemeClr val="bg1"/>
+            </a:solidFill>
+            <a:ln>
+              <a:noFill/>
+            </a:ln>
+          </p:spPr>
+          <p:style>
+            <a:lnRef idx="2">
+              <a:schemeClr val="accent1">
+                <a:shade val="50000"/>
+              </a:schemeClr>
+            </a:lnRef>
+            <a:fillRef idx="1">
+              <a:schemeClr val="accent1"/>
+            </a:fillRef>
+            <a:effectRef idx="0">
+              <a:schemeClr val="accent1"/>
+            </a:effectRef>
+            <a:fontRef idx="minor">
+              <a:schemeClr val="lt1"/>
+            </a:fontRef>
+          </p:style>
+          <p:txBody>
+            <a:bodyPr rtlCol="0" anchor="ctr"/>
+            <a:lstStyle/>
+            <a:p>
+              <a:pPr algn="ctr">
+                <a:lnSpc>
+                  <a:spcPct val="150000"/>
+                </a:lnSpc>
+              </a:pPr>
+              <a:r>
+                <a:rPr lang="en-US" altLang="ko-KR" sz="1050" dirty="0" smtClean="0">
+                  <a:solidFill>
+                    <a:schemeClr val="tx1"/>
+                  </a:solidFill>
+                </a:rPr>
+                <a:t>Advertisment</a:t>
+              </a:r>
+            </a:p>
+            <a:p>
+              <a:pPr algn="ctr">
+                <a:lnSpc>
+                  <a:spcPct val="150000"/>
+                </a:lnSpc>
+              </a:pPr>
+              <a:r>
+                <a:rPr lang="en-US" altLang="ko-KR" sz="1050" dirty="0" smtClean="0">
+                  <a:solidFill>
+                    <a:schemeClr val="tx1"/>
+                  </a:solidFill>
+                </a:rPr>
+                <a:t>subscription</a:t>
+              </a:r>
+            </a:p>
+            <a:p>
+              <a:pPr algn="ctr">
+                <a:lnSpc>
+                  <a:spcPct val="150000"/>
+                </a:lnSpc>
+              </a:pPr>
+              <a:r>
+                <a:rPr lang="en-US" altLang="ko-KR" sz="1050" dirty="0" smtClean="0">
+                  <a:solidFill>
+                    <a:schemeClr val="tx1"/>
+                  </a:solidFill>
+                </a:rPr>
+                <a:t>Benefit</a:t>
+              </a:r>
+            </a:p>
+            <a:p>
+              <a:pPr algn="ctr">
+                <a:lnSpc>
+                  <a:spcPct val="150000"/>
+                </a:lnSpc>
+              </a:pPr>
+              <a:r>
+                <a:rPr lang="en-US" altLang="ko-KR" sz="1050" dirty="0" smtClean="0">
+                  <a:solidFill>
+                    <a:schemeClr val="tx1"/>
+                  </a:solidFill>
+                </a:rPr>
+                <a:t>Etc...</a:t>
+              </a:r>
+              <a:endParaRPr lang="ko-KR" altLang="en-US" sz="1050" dirty="0">
+                <a:solidFill>
+                  <a:schemeClr val="tx1"/>
+                </a:solidFill>
+              </a:endParaRPr>
+            </a:p>
+          </p:txBody>
+        </p:sp>
+        <p:sp>
+          <p:nvSpPr>
+            <p:cNvPr id="6" name="모서리가 둥근 직사각형 5"/>
+            <p:cNvSpPr/>
+            <p:nvPr/>
+          </p:nvSpPr>
+          <p:spPr>
+            <a:xfrm>
+              <a:off x="4462419" y="6173082"/>
+              <a:ext cx="3391142" cy="684918"/>
+            </a:xfrm>
+            <a:prstGeom prst="roundRect">
+              <a:avLst>
+                <a:gd name="adj" fmla="val 50000"/>
+              </a:avLst>
+            </a:prstGeom>
+            <a:solidFill>
+              <a:schemeClr val="bg1"/>
+            </a:solidFill>
+            <a:ln>
+              <a:noFill/>
+            </a:ln>
+          </p:spPr>
+          <p:style>
+            <a:lnRef idx="2">
+              <a:schemeClr val="accent1">
+                <a:shade val="50000"/>
+              </a:schemeClr>
+            </a:lnRef>
+            <a:fillRef idx="1">
+              <a:schemeClr val="accent1"/>
+            </a:fillRef>
+            <a:effectRef idx="0">
+              <a:schemeClr val="accent1"/>
+            </a:effectRef>
+            <a:fontRef idx="minor">
+              <a:schemeClr val="lt1"/>
+            </a:fontRef>
+          </p:style>
+          <p:txBody>
+            <a:bodyPr rtlCol="0" anchor="ctr"/>
+            <a:lstStyle/>
+            <a:p>
+              <a:pPr algn="ctr"/>
+              <a:r>
+                <a:rPr lang="ko-KR" altLang="en-US" sz="1200" dirty="0" smtClean="0">
+                  <a:solidFill>
+                    <a:schemeClr val="tx1"/>
+                  </a:solidFill>
+                </a:rPr>
+                <a:t>🏠        🍴        🚗       🔍</a:t>
+              </a:r>
+              <a:endParaRPr lang="en-US" altLang="ko-KR" sz="1200" dirty="0" smtClean="0">
+                <a:solidFill>
+                  <a:schemeClr val="tx1"/>
+                </a:solidFill>
+              </a:endParaRPr>
+            </a:p>
+            <a:p>
+              <a:pPr algn="ctr"/>
+              <a:endParaRPr lang="en-US" altLang="ko-KR" sz="1200" dirty="0" smtClean="0">
+                <a:solidFill>
+                  <a:schemeClr val="tx1"/>
+                </a:solidFill>
+              </a:endParaRPr>
+            </a:p>
+            <a:p>
+              <a:pPr algn="ctr"/>
+              <a:endParaRPr lang="en-US" altLang="ko-KR" sz="1200" dirty="0" smtClean="0">
+                <a:solidFill>
+                  <a:schemeClr val="tx1"/>
+                </a:solidFill>
+              </a:endParaRPr>
+            </a:p>
+          </p:txBody>
+        </p:sp>
+        <p:sp>
+          <p:nvSpPr>
+            <p:cNvPr id="7" name="모서리가 둥근 직사각형 6"/>
+            <p:cNvSpPr/>
+            <p:nvPr/>
+          </p:nvSpPr>
+          <p:spPr>
+            <a:xfrm>
+              <a:off x="4462419" y="935958"/>
+              <a:ext cx="3391142" cy="365761"/>
+            </a:xfrm>
+            <a:prstGeom prst="roundRect">
+              <a:avLst>
+                <a:gd name="adj" fmla="val 50000"/>
+              </a:avLst>
+            </a:prstGeom>
+            <a:solidFill>
+              <a:schemeClr val="bg1"/>
+            </a:solidFill>
+            <a:ln>
+              <a:noFill/>
+            </a:ln>
+          </p:spPr>
+          <p:style>
+            <a:lnRef idx="2">
+              <a:schemeClr val="accent1">
+                <a:shade val="50000"/>
+              </a:schemeClr>
+            </a:lnRef>
+            <a:fillRef idx="1">
+              <a:schemeClr val="accent1"/>
+            </a:fillRef>
+            <a:effectRef idx="0">
+              <a:schemeClr val="accent1"/>
+            </a:effectRef>
+            <a:fontRef idx="minor">
+              <a:schemeClr val="lt1"/>
+            </a:fontRef>
+          </p:style>
+          <p:txBody>
+            <a:bodyPr rtlCol="0" anchor="ctr"/>
+            <a:lstStyle/>
+            <a:p>
+              <a:pPr algn="ctr"/>
+              <a:r>
+                <a:rPr lang="en-US" altLang="ko-KR" sz="1400" dirty="0" smtClean="0">
+                  <a:solidFill>
+                    <a:schemeClr val="tx1"/>
+                  </a:solidFill>
+                </a:rPr>
+                <a:t>Title</a:t>
+              </a:r>
+              <a:endParaRPr lang="ko-KR" altLang="en-US" sz="1400" dirty="0">
+                <a:solidFill>
+                  <a:schemeClr val="tx1"/>
+                </a:solidFill>
+              </a:endParaRPr>
+            </a:p>
+          </p:txBody>
+        </p:sp>
+        <p:sp>
+          <p:nvSpPr>
+            <p:cNvPr id="11" name="모서리가 둥근 직사각형 10"/>
+            <p:cNvSpPr/>
+            <p:nvPr/>
+          </p:nvSpPr>
+          <p:spPr>
+            <a:xfrm>
+              <a:off x="4462418" y="5455106"/>
+              <a:ext cx="3391142" cy="647794"/>
+            </a:xfrm>
+            <a:prstGeom prst="roundRect">
+              <a:avLst>
+                <a:gd name="adj" fmla="val 0"/>
+              </a:avLst>
+            </a:prstGeom>
+            <a:solidFill>
+              <a:schemeClr val="bg1"/>
+            </a:solidFill>
+            <a:ln>
+              <a:noFill/>
+            </a:ln>
+          </p:spPr>
+          <p:style>
+            <a:lnRef idx="2">
+              <a:schemeClr val="accent1">
+                <a:shade val="50000"/>
+              </a:schemeClr>
+            </a:lnRef>
+            <a:fillRef idx="1">
+              <a:schemeClr val="accent1"/>
+            </a:fillRef>
+            <a:effectRef idx="0">
+              <a:schemeClr val="accent1"/>
+            </a:effectRef>
+            <a:fontRef idx="minor">
+              <a:schemeClr val="lt1"/>
+            </a:fontRef>
+          </p:style>
+          <p:txBody>
+            <a:bodyPr rtlCol="0" anchor="ctr"/>
+            <a:lstStyle/>
+            <a:p>
+              <a:pPr algn="ctr"/>
+              <a:r>
+                <a:rPr lang="en-US" altLang="ko-KR" sz="1400" dirty="0" smtClean="0">
+                  <a:solidFill>
+                    <a:schemeClr val="tx1"/>
+                  </a:solidFill>
+                </a:rPr>
+                <a:t>Address</a:t>
+              </a:r>
+            </a:p>
+            <a:p>
+              <a:pPr algn="ctr"/>
+              <a:r>
+                <a:rPr lang="en-US" altLang="ko-KR" sz="1400" dirty="0" smtClean="0">
+                  <a:solidFill>
+                    <a:schemeClr val="tx1"/>
+                  </a:solidFill>
+                </a:rPr>
+                <a:t>Company ...</a:t>
+              </a:r>
+              <a:endParaRPr lang="ko-KR" altLang="en-US" sz="1400" dirty="0">
+                <a:solidFill>
+                  <a:schemeClr val="tx1"/>
+                </a:solidFill>
+              </a:endParaRPr>
+            </a:p>
+          </p:txBody>
+        </p:sp>
+        <p:grpSp>
+          <p:nvGrpSpPr>
+            <p:cNvPr id="3" name="그룹 2"/>
+            <p:cNvGrpSpPr/>
+            <p:nvPr/>
+          </p:nvGrpSpPr>
+          <p:grpSpPr>
+            <a:xfrm>
+              <a:off x="4462418" y="1370096"/>
+              <a:ext cx="3391142" cy="2051088"/>
+              <a:chOff x="4412542" y="1849959"/>
+              <a:chExt cx="3391142" cy="1649591"/>
+            </a:xfrm>
+          </p:grpSpPr>
+          <p:sp>
+            <p:nvSpPr>
+              <p:cNvPr id="8" name="모서리가 둥근 직사각형 7"/>
+              <p:cNvSpPr/>
+              <p:nvPr/>
+            </p:nvSpPr>
+            <p:spPr>
+              <a:xfrm>
+                <a:off x="4412542" y="1849959"/>
+                <a:ext cx="3391142" cy="1649591"/>
+              </a:xfrm>
+              <a:prstGeom prst="roundRect">
+                <a:avLst>
+                  <a:gd name="adj" fmla="val 2367"/>
+                </a:avLst>
+              </a:prstGeom>
+              <a:solidFill>
+                <a:schemeClr val="bg1"/>
+              </a:solidFill>
+              <a:ln>
+                <a:noFill/>
+              </a:ln>
+            </p:spPr>
+            <p:style>
+              <a:lnRef idx="2">
+                <a:schemeClr val="accent1">
+                  <a:shade val="50000"/>
+                </a:schemeClr>
+              </a:lnRef>
+              <a:fillRef idx="1">
+                <a:schemeClr val="accent1"/>
+              </a:fillRef>
+              <a:effectRef idx="0">
+                <a:schemeClr val="accent1"/>
+              </a:effectRef>
+              <a:fontRef idx="minor">
+                <a:schemeClr val="lt1"/>
+              </a:fontRef>
+            </p:style>
+            <p:txBody>
+              <a:bodyPr rtlCol="0" anchor="ctr"/>
+              <a:lstStyle/>
+              <a:p>
+                <a:pPr algn="ctr"/>
+                <a:endParaRPr lang="en-US" altLang="ko-KR" sz="1400" dirty="0" smtClean="0">
+                  <a:solidFill>
+                    <a:schemeClr val="tx1"/>
+                  </a:solidFill>
+                </a:endParaRPr>
+              </a:p>
+              <a:p>
+                <a:pPr algn="ctr"/>
+                <a:endParaRPr lang="ko-KR" altLang="en-US" sz="1400" dirty="0">
+                  <a:solidFill>
+                    <a:schemeClr val="tx1"/>
+                  </a:solidFill>
+                </a:endParaRPr>
+              </a:p>
+            </p:txBody>
+          </p:sp>
+          <p:sp>
+            <p:nvSpPr>
+              <p:cNvPr id="19" name="TextBox 18"/>
+              <p:cNvSpPr txBox="1"/>
+              <p:nvPr/>
+            </p:nvSpPr>
+            <p:spPr>
+              <a:xfrm>
+                <a:off x="5375659" y="2341385"/>
+                <a:ext cx="1464906" cy="523220"/>
+              </a:xfrm>
+              <a:prstGeom prst="rect">
+                <a:avLst/>
+              </a:prstGeom>
+              <a:noFill/>
+              <a:ln>
+                <a:noFill/>
+              </a:ln>
+            </p:spPr>
+            <p:txBody>
+              <a:bodyPr wrap="square" rtlCol="0">
+                <a:spAutoFit/>
+              </a:bodyPr>
+              <a:lstStyle/>
+              <a:p>
+                <a:pPr marL="285750" indent="-285750">
+                  <a:buFont typeface="Arial" panose="020B0604020202020204" pitchFamily="34" charset="0"/>
+                  <a:buChar char="•"/>
+                </a:pPr>
+                <a:r>
+                  <a:rPr lang="en-US" altLang="ko-KR" sz="1400" dirty="0" smtClean="0">
+                    <a:solidFill>
+                      <a:schemeClr val="tx1"/>
+                    </a:solidFill>
+                  </a:rPr>
+                  <a:t>Img</a:t>
+                </a:r>
+                <a:endParaRPr lang="en-US" altLang="ko-KR" sz="1400" dirty="0" smtClean="0">
+                  <a:solidFill>
+                    <a:schemeClr val="tx1"/>
+                  </a:solidFill>
+                </a:endParaRPr>
+              </a:p>
+              <a:p>
+                <a:pPr marL="285750" indent="-285750">
+                  <a:buFont typeface="Arial" panose="020B0604020202020204" pitchFamily="34" charset="0"/>
+                  <a:buChar char="•"/>
+                </a:pPr>
+                <a:r>
+                  <a:rPr lang="en-US" altLang="ko-KR" sz="1400" dirty="0" smtClean="0">
+                    <a:solidFill>
+                      <a:schemeClr val="tx1"/>
+                    </a:solidFill>
+                  </a:rPr>
+                  <a:t>Content</a:t>
+                </a:r>
+                <a:endParaRPr lang="en-US" altLang="ko-KR" sz="1400" dirty="0" smtClean="0">
+                  <a:solidFill>
+                    <a:schemeClr val="tx1"/>
+                  </a:solidFill>
+                </a:endParaRPr>
+              </a:p>
+            </p:txBody>
+          </p:sp>
+        </p:grpSp>
+        <p:grpSp>
+          <p:nvGrpSpPr>
+            <p:cNvPr id="14" name="그룹 13"/>
+            <p:cNvGrpSpPr/>
+            <p:nvPr/>
+          </p:nvGrpSpPr>
+          <p:grpSpPr>
+            <a:xfrm>
+              <a:off x="4462417" y="4378894"/>
+              <a:ext cx="3391142" cy="1007833"/>
+              <a:chOff x="4412542" y="1849959"/>
+              <a:chExt cx="3391142" cy="1649591"/>
+            </a:xfrm>
+          </p:grpSpPr>
+          <p:sp>
+            <p:nvSpPr>
+              <p:cNvPr id="15" name="모서리가 둥근 직사각형 14"/>
+              <p:cNvSpPr/>
+              <p:nvPr/>
+            </p:nvSpPr>
+            <p:spPr>
+              <a:xfrm>
+                <a:off x="4412542" y="1849959"/>
+                <a:ext cx="3391142" cy="1649591"/>
+              </a:xfrm>
+              <a:prstGeom prst="roundRect">
+                <a:avLst>
+                  <a:gd name="adj" fmla="val 2367"/>
+                </a:avLst>
+              </a:prstGeom>
+              <a:solidFill>
+                <a:schemeClr val="bg1"/>
+              </a:solidFill>
+              <a:ln>
+                <a:noFill/>
+              </a:ln>
+            </p:spPr>
+            <p:style>
+              <a:lnRef idx="2">
+                <a:schemeClr val="accent1">
+                  <a:shade val="50000"/>
+                </a:schemeClr>
+              </a:lnRef>
+              <a:fillRef idx="1">
+                <a:schemeClr val="accent1"/>
+              </a:fillRef>
+              <a:effectRef idx="0">
+                <a:schemeClr val="accent1"/>
+              </a:effectRef>
+              <a:fontRef idx="minor">
+                <a:schemeClr val="lt1"/>
+              </a:fontRef>
+            </p:style>
+            <p:txBody>
+              <a:bodyPr rtlCol="0" anchor="ctr"/>
+              <a:lstStyle/>
+              <a:p>
+                <a:pPr algn="ctr"/>
+                <a:endParaRPr lang="en-US" altLang="ko-KR" sz="1400" dirty="0" smtClean="0">
+                  <a:solidFill>
+                    <a:schemeClr val="tx1"/>
+                  </a:solidFill>
+                </a:endParaRPr>
+              </a:p>
+              <a:p>
+                <a:pPr algn="ctr"/>
+                <a:endParaRPr lang="ko-KR" altLang="en-US" sz="1400" dirty="0">
+                  <a:solidFill>
+                    <a:schemeClr val="tx1"/>
+                  </a:solidFill>
+                </a:endParaRPr>
+              </a:p>
+            </p:txBody>
+          </p:sp>
+          <p:sp>
+            <p:nvSpPr>
+              <p:cNvPr id="16" name="TextBox 15"/>
+              <p:cNvSpPr txBox="1"/>
+              <p:nvPr/>
+            </p:nvSpPr>
+            <p:spPr>
+              <a:xfrm>
+                <a:off x="5375659" y="2341385"/>
+                <a:ext cx="1464906" cy="523220"/>
+              </a:xfrm>
+              <a:prstGeom prst="rect">
+                <a:avLst/>
+              </a:prstGeom>
+              <a:noFill/>
+              <a:ln>
+                <a:noFill/>
+              </a:ln>
+            </p:spPr>
+            <p:txBody>
+              <a:bodyPr wrap="square" rtlCol="0">
+                <a:spAutoFit/>
+              </a:bodyPr>
+              <a:lstStyle/>
+              <a:p>
+                <a:pPr marL="285750" indent="-285750">
+                  <a:buFont typeface="Arial" panose="020B0604020202020204" pitchFamily="34" charset="0"/>
+                  <a:buChar char="•"/>
+                </a:pPr>
+                <a:r>
+                  <a:rPr lang="en-US" altLang="ko-KR" sz="1400" dirty="0" smtClean="0">
+                    <a:solidFill>
+                      <a:schemeClr val="tx1"/>
+                    </a:solidFill>
+                  </a:rPr>
+                  <a:t>Img</a:t>
+                </a:r>
+                <a:endParaRPr lang="en-US" altLang="ko-KR" sz="1400" dirty="0" smtClean="0">
+                  <a:solidFill>
+                    <a:schemeClr val="tx1"/>
+                  </a:solidFill>
+                </a:endParaRPr>
+              </a:p>
+              <a:p>
+                <a:pPr marL="285750" indent="-285750">
+                  <a:buFont typeface="Arial" panose="020B0604020202020204" pitchFamily="34" charset="0"/>
+                  <a:buChar char="•"/>
+                </a:pPr>
+                <a:r>
+                  <a:rPr lang="en-US" altLang="ko-KR" sz="1400" dirty="0" smtClean="0">
+                    <a:solidFill>
+                      <a:schemeClr val="tx1"/>
+                    </a:solidFill>
+                  </a:rPr>
+                  <a:t>Content</a:t>
+                </a:r>
+                <a:endParaRPr lang="en-US" altLang="ko-KR" sz="1400" dirty="0" smtClean="0">
+                  <a:solidFill>
+                    <a:schemeClr val="tx1"/>
+                  </a:solidFill>
+                </a:endParaRPr>
+              </a:p>
+            </p:txBody>
+          </p:sp>
+        </p:grpSp>
+        <p:sp>
+          <p:nvSpPr>
+            <p:cNvPr id="9" name="모서리가 둥근 직사각형 8"/>
+            <p:cNvSpPr/>
+            <p:nvPr/>
+          </p:nvSpPr>
+          <p:spPr>
+            <a:xfrm>
+              <a:off x="7219029" y="1152956"/>
+              <a:ext cx="879551" cy="424398"/>
+            </a:xfrm>
+            <a:prstGeom prst="roundRect">
+              <a:avLst>
+                <a:gd name="adj" fmla="val 50000"/>
+              </a:avLst>
+            </a:prstGeom>
+            <a:solidFill>
+              <a:schemeClr val="bg1"/>
+            </a:solidFill>
+            <a:ln>
+              <a:solidFill>
+                <a:schemeClr val="tx1"/>
+              </a:solidFill>
+            </a:ln>
+          </p:spPr>
+          <p:style>
+            <a:lnRef idx="2">
+              <a:schemeClr val="accent1">
+                <a:shade val="50000"/>
+              </a:schemeClr>
+            </a:lnRef>
+            <a:fillRef idx="1">
+              <a:schemeClr val="accent1"/>
+            </a:fillRef>
+            <a:effectRef idx="0">
+              <a:schemeClr val="accent1"/>
+            </a:effectRef>
+            <a:fontRef idx="minor">
+              <a:schemeClr val="lt1"/>
+            </a:fontRef>
+          </p:style>
+          <p:txBody>
+            <a:bodyPr rtlCol="0" anchor="ctr"/>
+            <a:lstStyle/>
+            <a:p>
+              <a:pPr algn="ctr"/>
+              <a:r>
+                <a:rPr lang="en-US" altLang="ko-KR" sz="1100" dirty="0" smtClean="0">
+                  <a:solidFill>
+                    <a:schemeClr val="tx1"/>
+                  </a:solidFill>
+                </a:rPr>
+                <a:t>Log-In</a:t>
+              </a:r>
+            </a:p>
+            <a:p>
+              <a:pPr algn="ctr"/>
+              <a:r>
+                <a:rPr lang="en-US" altLang="ko-KR" sz="1100" dirty="0" smtClean="0">
+                  <a:solidFill>
+                    <a:schemeClr val="tx1"/>
+                  </a:solidFill>
+                </a:rPr>
+                <a:t>Sign-Up</a:t>
+              </a:r>
+            </a:p>
+          </p:txBody>
+        </p:sp>
+      </p:grpSp>
+    </p:spTree>
+    <p:extLst>
+      <p:ext uri="{BB962C8B-B14F-4D97-AF65-F5344CB8AC3E}">
+        <p14:creationId xmlns:p14="http://schemas.microsoft.com/office/powerpoint/2010/main" val="702175813"/>
+      </p:ext>
+    </p:extLst>
+  </p:cSld>
+  <p:clrMapOvr>
+    <a:masterClrMapping/>
+  </p:clrMapOvr>
+  <p:timing>
+    <p:tnLst>
+      <p:par>
+        <p:cTn id="1" dur="indefinite" restart="never" nodeType="tmRoot"/>
+      </p:par>
+    </p:tnLst>
+  </p:timing>
+</p:sld>
+</file>
+
+<file path=ppt/slides/slide3.xml><?xml version="1.0" encoding="utf-8"?>
 <p:sld xmlns:a="http://schemas.openxmlformats.org/drawingml/2006/main" xmlns:r="http://schemas.openxmlformats.org/officeDocument/2006/relationships" xmlns:p="http://schemas.openxmlformats.org/presentationml/2006/main">
   <p:cSld>
     <p:spTree>
@@ -5294,7 +6084,7 @@
 </p:sld>
 </file>
 
-<file path=ppt/slides/slide3.xml><?xml version="1.0" encoding="utf-8"?>
+<file path=ppt/slides/slide4.xml><?xml version="1.0" encoding="utf-8"?>
 <p:sld xmlns:a="http://schemas.openxmlformats.org/drawingml/2006/main" xmlns:r="http://schemas.openxmlformats.org/officeDocument/2006/relationships" xmlns:p="http://schemas.openxmlformats.org/presentationml/2006/main">
   <p:cSld>
     <p:spTree>
@@ -5897,7 +6687,7 @@
 </p:sld>
 </file>
 
-<file path=ppt/slides/slide4.xml><?xml version="1.0" encoding="utf-8"?>
+<file path=ppt/slides/slide5.xml><?xml version="1.0" encoding="utf-8"?>
 <p:sld xmlns:a="http://schemas.openxmlformats.org/drawingml/2006/main" xmlns:r="http://schemas.openxmlformats.org/officeDocument/2006/relationships" xmlns:p="http://schemas.openxmlformats.org/presentationml/2006/main">
   <p:cSld>
     <p:spTree>

--- a/박근모 - 메인/레이아웃.pptx
+++ b/박근모 - 메인/레이아웃.pptx
@@ -6,10 +6,11 @@
   </p:sldMasterIdLst>
   <p:sldIdLst>
     <p:sldId id="257" r:id="rId2"/>
-    <p:sldId id="260" r:id="rId3"/>
-    <p:sldId id="256" r:id="rId4"/>
-    <p:sldId id="258" r:id="rId5"/>
-    <p:sldId id="259" r:id="rId6"/>
+    <p:sldId id="261" r:id="rId3"/>
+    <p:sldId id="260" r:id="rId4"/>
+    <p:sldId id="256" r:id="rId5"/>
+    <p:sldId id="258" r:id="rId6"/>
+    <p:sldId id="259" r:id="rId7"/>
   </p:sldIdLst>
   <p:sldSz cx="12192000" cy="6858000"/>
   <p:notesSz cx="6858000" cy="9144000"/>
@@ -247,7 +248,7 @@
           <a:p>
             <a:fld id="{44DCEC56-5DDD-442A-AD32-4E68F8E60BDD}" type="datetimeFigureOut">
               <a:rPr lang="ko-KR" altLang="en-US" smtClean="0"/>
-              <a:t>2024-06-12</a:t>
+              <a:t>2024-06-13</a:t>
             </a:fld>
             <a:endParaRPr lang="ko-KR" altLang="en-US"/>
           </a:p>
@@ -417,7 +418,7 @@
           <a:p>
             <a:fld id="{44DCEC56-5DDD-442A-AD32-4E68F8E60BDD}" type="datetimeFigureOut">
               <a:rPr lang="ko-KR" altLang="en-US" smtClean="0"/>
-              <a:t>2024-06-12</a:t>
+              <a:t>2024-06-13</a:t>
             </a:fld>
             <a:endParaRPr lang="ko-KR" altLang="en-US"/>
           </a:p>
@@ -597,7 +598,7 @@
           <a:p>
             <a:fld id="{44DCEC56-5DDD-442A-AD32-4E68F8E60BDD}" type="datetimeFigureOut">
               <a:rPr lang="ko-KR" altLang="en-US" smtClean="0"/>
-              <a:t>2024-06-12</a:t>
+              <a:t>2024-06-13</a:t>
             </a:fld>
             <a:endParaRPr lang="ko-KR" altLang="en-US"/>
           </a:p>
@@ -767,7 +768,7 @@
           <a:p>
             <a:fld id="{44DCEC56-5DDD-442A-AD32-4E68F8E60BDD}" type="datetimeFigureOut">
               <a:rPr lang="ko-KR" altLang="en-US" smtClean="0"/>
-              <a:t>2024-06-12</a:t>
+              <a:t>2024-06-13</a:t>
             </a:fld>
             <a:endParaRPr lang="ko-KR" altLang="en-US"/>
           </a:p>
@@ -1013,7 +1014,7 @@
           <a:p>
             <a:fld id="{44DCEC56-5DDD-442A-AD32-4E68F8E60BDD}" type="datetimeFigureOut">
               <a:rPr lang="ko-KR" altLang="en-US" smtClean="0"/>
-              <a:t>2024-06-12</a:t>
+              <a:t>2024-06-13</a:t>
             </a:fld>
             <a:endParaRPr lang="ko-KR" altLang="en-US"/>
           </a:p>
@@ -1245,7 +1246,7 @@
           <a:p>
             <a:fld id="{44DCEC56-5DDD-442A-AD32-4E68F8E60BDD}" type="datetimeFigureOut">
               <a:rPr lang="ko-KR" altLang="en-US" smtClean="0"/>
-              <a:t>2024-06-12</a:t>
+              <a:t>2024-06-13</a:t>
             </a:fld>
             <a:endParaRPr lang="ko-KR" altLang="en-US"/>
           </a:p>
@@ -1612,7 +1613,7 @@
           <a:p>
             <a:fld id="{44DCEC56-5DDD-442A-AD32-4E68F8E60BDD}" type="datetimeFigureOut">
               <a:rPr lang="ko-KR" altLang="en-US" smtClean="0"/>
-              <a:t>2024-06-12</a:t>
+              <a:t>2024-06-13</a:t>
             </a:fld>
             <a:endParaRPr lang="ko-KR" altLang="en-US"/>
           </a:p>
@@ -1730,7 +1731,7 @@
           <a:p>
             <a:fld id="{44DCEC56-5DDD-442A-AD32-4E68F8E60BDD}" type="datetimeFigureOut">
               <a:rPr lang="ko-KR" altLang="en-US" smtClean="0"/>
-              <a:t>2024-06-12</a:t>
+              <a:t>2024-06-13</a:t>
             </a:fld>
             <a:endParaRPr lang="ko-KR" altLang="en-US"/>
           </a:p>
@@ -1825,7 +1826,7 @@
           <a:p>
             <a:fld id="{44DCEC56-5DDD-442A-AD32-4E68F8E60BDD}" type="datetimeFigureOut">
               <a:rPr lang="ko-KR" altLang="en-US" smtClean="0"/>
-              <a:t>2024-06-12</a:t>
+              <a:t>2024-06-13</a:t>
             </a:fld>
             <a:endParaRPr lang="ko-KR" altLang="en-US"/>
           </a:p>
@@ -2102,7 +2103,7 @@
           <a:p>
             <a:fld id="{44DCEC56-5DDD-442A-AD32-4E68F8E60BDD}" type="datetimeFigureOut">
               <a:rPr lang="ko-KR" altLang="en-US" smtClean="0"/>
-              <a:t>2024-06-12</a:t>
+              <a:t>2024-06-13</a:t>
             </a:fld>
             <a:endParaRPr lang="ko-KR" altLang="en-US"/>
           </a:p>
@@ -2355,7 +2356,7 @@
           <a:p>
             <a:fld id="{44DCEC56-5DDD-442A-AD32-4E68F8E60BDD}" type="datetimeFigureOut">
               <a:rPr lang="ko-KR" altLang="en-US" smtClean="0"/>
-              <a:t>2024-06-12</a:t>
+              <a:t>2024-06-13</a:t>
             </a:fld>
             <a:endParaRPr lang="ko-KR" altLang="en-US"/>
           </a:p>
@@ -2568,7 +2569,7 @@
           <a:p>
             <a:fld id="{44DCEC56-5DDD-442A-AD32-4E68F8E60BDD}" type="datetimeFigureOut">
               <a:rPr lang="ko-KR" altLang="en-US" smtClean="0"/>
-              <a:t>2024-06-12</a:t>
+              <a:t>2024-06-13</a:t>
             </a:fld>
             <a:endParaRPr lang="ko-KR" altLang="en-US"/>
           </a:p>
@@ -3739,11 +3740,6 @@
                 </a:rPr>
                 <a:t>Img</a:t>
               </a:r>
-              <a:endParaRPr lang="en-US" altLang="ko-KR" sz="1400" dirty="0" smtClean="0">
-                <a:solidFill>
-                  <a:schemeClr val="tx1"/>
-                </a:solidFill>
-              </a:endParaRPr>
             </a:p>
             <a:p>
               <a:pPr marL="285750" indent="-285750">
@@ -3813,6 +3809,165 @@
           <a:chExt cx="0" cy="0"/>
         </a:xfrm>
       </p:grpSpPr>
+      <p:grpSp>
+        <p:nvGrpSpPr>
+          <p:cNvPr id="15" name="그룹 14"/>
+          <p:cNvGrpSpPr/>
+          <p:nvPr/>
+        </p:nvGrpSpPr>
+        <p:grpSpPr>
+          <a:xfrm>
+            <a:off x="4131425" y="2818015"/>
+            <a:ext cx="4048299" cy="723207"/>
+            <a:chOff x="3308465" y="1529542"/>
+            <a:chExt cx="4048299" cy="723207"/>
+          </a:xfrm>
+        </p:grpSpPr>
+        <p:sp>
+          <p:nvSpPr>
+            <p:cNvPr id="3" name="TextBox 2"/>
+            <p:cNvSpPr txBox="1"/>
+            <p:nvPr/>
+          </p:nvSpPr>
+          <p:spPr>
+            <a:xfrm>
+              <a:off x="3308465" y="1529542"/>
+              <a:ext cx="4048299" cy="646331"/>
+            </a:xfrm>
+            <a:prstGeom prst="rect">
+              <a:avLst/>
+            </a:prstGeom>
+            <a:noFill/>
+          </p:spPr>
+          <p:txBody>
+            <a:bodyPr wrap="square" rtlCol="0">
+              <a:spAutoFit/>
+            </a:bodyPr>
+            <a:lstStyle/>
+            <a:p>
+              <a:r>
+                <a:rPr lang="en-US" altLang="ko-KR" sz="3600" dirty="0" smtClean="0">
+                  <a:latin typeface="배달의민족 주아" panose="02020603020101020101" pitchFamily="18" charset="-127"/>
+                  <a:ea typeface="배달의민족 주아" panose="02020603020101020101" pitchFamily="18" charset="-127"/>
+                </a:rPr>
+                <a:t>Daeje</a:t>
+              </a:r>
+              <a:r>
+                <a:rPr lang="en-US" altLang="ko-KR" sz="3600" dirty="0" smtClean="0">
+                  <a:solidFill>
+                    <a:srgbClr val="FF33CC"/>
+                  </a:solidFill>
+                  <a:latin typeface="배달의민족 주아" panose="02020603020101020101" pitchFamily="18" charset="-127"/>
+                  <a:ea typeface="배달의민족 주아" panose="02020603020101020101" pitchFamily="18" charset="-127"/>
+                </a:rPr>
+                <a:t>on</a:t>
+              </a:r>
+              <a:r>
+                <a:rPr lang="en-US" altLang="ko-KR" sz="3600" dirty="0" smtClean="0">
+                  <a:latin typeface="배달의민족 주아" panose="02020603020101020101" pitchFamily="18" charset="-127"/>
+                  <a:ea typeface="배달의민족 주아" panose="02020603020101020101" pitchFamily="18" charset="-127"/>
+                </a:rPr>
+                <a:t> Love U</a:t>
+              </a:r>
+              <a:endParaRPr lang="ko-KR" altLang="en-US" sz="3600" dirty="0">
+                <a:latin typeface="배달의민족 주아" panose="02020603020101020101" pitchFamily="18" charset="-127"/>
+                <a:ea typeface="배달의민족 주아" panose="02020603020101020101" pitchFamily="18" charset="-127"/>
+              </a:endParaRPr>
+            </a:p>
+          </p:txBody>
+        </p:sp>
+        <p:sp>
+          <p:nvSpPr>
+            <p:cNvPr id="5" name="막힌 원호 4"/>
+            <p:cNvSpPr/>
+            <p:nvPr/>
+          </p:nvSpPr>
+          <p:spPr>
+            <a:xfrm flipV="1">
+              <a:off x="4630189" y="1834020"/>
+              <a:ext cx="407324" cy="418729"/>
+            </a:xfrm>
+            <a:prstGeom prst="blockArc">
+              <a:avLst>
+                <a:gd name="adj1" fmla="val 10800000"/>
+                <a:gd name="adj2" fmla="val 144430"/>
+                <a:gd name="adj3" fmla="val 19678"/>
+              </a:avLst>
+            </a:prstGeom>
+            <a:solidFill>
+              <a:srgbClr val="FF33CC"/>
+            </a:solidFill>
+            <a:ln>
+              <a:noFill/>
+            </a:ln>
+          </p:spPr>
+          <p:style>
+            <a:lnRef idx="2">
+              <a:schemeClr val="accent1">
+                <a:shade val="50000"/>
+              </a:schemeClr>
+            </a:lnRef>
+            <a:fillRef idx="1">
+              <a:schemeClr val="accent1"/>
+            </a:fillRef>
+            <a:effectRef idx="0">
+              <a:schemeClr val="accent1"/>
+            </a:effectRef>
+            <a:fontRef idx="minor">
+              <a:schemeClr val="lt1"/>
+            </a:fontRef>
+          </p:style>
+          <p:txBody>
+            <a:bodyPr rtlCol="0" anchor="ctr"/>
+            <a:lstStyle/>
+            <a:p>
+              <a:pPr algn="ctr"/>
+              <a:endParaRPr lang="ko-KR" altLang="en-US">
+                <a:solidFill>
+                  <a:schemeClr val="tx1"/>
+                </a:solidFill>
+              </a:endParaRPr>
+            </a:p>
+          </p:txBody>
+        </p:sp>
+      </p:grpSp>
+    </p:spTree>
+    <p:extLst>
+      <p:ext uri="{BB962C8B-B14F-4D97-AF65-F5344CB8AC3E}">
+        <p14:creationId xmlns:p14="http://schemas.microsoft.com/office/powerpoint/2010/main" val="865588490"/>
+      </p:ext>
+    </p:extLst>
+  </p:cSld>
+  <p:clrMapOvr>
+    <a:masterClrMapping/>
+  </p:clrMapOvr>
+  <p:timing>
+    <p:tnLst>
+      <p:par>
+        <p:cTn id="1" dur="indefinite" restart="never" nodeType="tmRoot"/>
+      </p:par>
+    </p:tnLst>
+  </p:timing>
+</p:sld>
+</file>
+
+<file path=ppt/slides/slide3.xml><?xml version="1.0" encoding="utf-8"?>
+<p:sld xmlns:a="http://schemas.openxmlformats.org/drawingml/2006/main" xmlns:r="http://schemas.openxmlformats.org/officeDocument/2006/relationships" xmlns:p="http://schemas.openxmlformats.org/presentationml/2006/main">
+  <p:cSld>
+    <p:spTree>
+      <p:nvGrpSpPr>
+        <p:cNvPr id="1" name=""/>
+        <p:cNvGrpSpPr/>
+        <p:nvPr/>
+      </p:nvGrpSpPr>
+      <p:grpSpPr>
+        <a:xfrm>
+          <a:off x="0" y="0"/>
+          <a:ext cx="0" cy="0"/>
+          <a:chOff x="0" y="0"/>
+          <a:chExt cx="0" cy="0"/>
+        </a:xfrm>
+      </p:grpSpPr>
       <p:sp>
         <p:nvSpPr>
           <p:cNvPr id="2" name="TextBox 1"/>
@@ -3838,11 +3993,7 @@
             <a:pPr algn="ctr"/>
             <a:r>
               <a:rPr lang="en-US" altLang="ko-KR" dirty="0" smtClean="0"/>
-              <a:t>Main </a:t>
-            </a:r>
-            <a:r>
-              <a:rPr lang="en-US" altLang="ko-KR" dirty="0" smtClean="0"/>
-              <a:t>App Page</a:t>
+              <a:t>Main App Page</a:t>
             </a:r>
             <a:endParaRPr lang="ko-KR" altLang="en-US" dirty="0"/>
           </a:p>
@@ -4335,11 +4486,6 @@
                   </a:rPr>
                   <a:t>Img</a:t>
                 </a:r>
-                <a:endParaRPr lang="en-US" altLang="ko-KR" sz="1400" dirty="0" smtClean="0">
-                  <a:solidFill>
-                    <a:schemeClr val="tx1"/>
-                  </a:solidFill>
-                </a:endParaRPr>
               </a:p>
               <a:p>
                 <a:pPr marL="285750" indent="-285750">
@@ -4354,11 +4500,6 @@
                   </a:rPr>
                   <a:t>Content</a:t>
                 </a:r>
-                <a:endParaRPr lang="en-US" altLang="ko-KR" sz="1400" dirty="0" smtClean="0">
-                  <a:solidFill>
-                    <a:schemeClr val="tx1"/>
-                  </a:solidFill>
-                </a:endParaRPr>
               </a:p>
             </p:txBody>
           </p:sp>
@@ -4474,11 +4615,6 @@
                   </a:rPr>
                   <a:t>Img</a:t>
                 </a:r>
-                <a:endParaRPr lang="en-US" altLang="ko-KR" sz="1400" dirty="0" smtClean="0">
-                  <a:solidFill>
-                    <a:schemeClr val="tx1"/>
-                  </a:solidFill>
-                </a:endParaRPr>
               </a:p>
               <a:p>
                 <a:pPr marL="285750" indent="-285750">
@@ -4493,11 +4629,6 @@
                   </a:rPr>
                   <a:t>Content</a:t>
                 </a:r>
-                <a:endParaRPr lang="en-US" altLang="ko-KR" sz="1400" dirty="0" smtClean="0">
-                  <a:solidFill>
-                    <a:schemeClr val="tx1"/>
-                  </a:solidFill>
-                </a:endParaRPr>
               </a:p>
             </p:txBody>
           </p:sp>
@@ -4591,7 +4722,7 @@
 </p:sld>
 </file>
 
-<file path=ppt/slides/slide3.xml><?xml version="1.0" encoding="utf-8"?>
+<file path=ppt/slides/slide4.xml><?xml version="1.0" encoding="utf-8"?>
 <p:sld xmlns:a="http://schemas.openxmlformats.org/drawingml/2006/main" xmlns:r="http://schemas.openxmlformats.org/officeDocument/2006/relationships" xmlns:p="http://schemas.openxmlformats.org/presentationml/2006/main">
   <p:cSld>
     <p:spTree>
@@ -6084,7 +6215,7 @@
 </p:sld>
 </file>
 
-<file path=ppt/slides/slide4.xml><?xml version="1.0" encoding="utf-8"?>
+<file path=ppt/slides/slide5.xml><?xml version="1.0" encoding="utf-8"?>
 <p:sld xmlns:a="http://schemas.openxmlformats.org/drawingml/2006/main" xmlns:r="http://schemas.openxmlformats.org/officeDocument/2006/relationships" xmlns:p="http://schemas.openxmlformats.org/presentationml/2006/main">
   <p:cSld>
     <p:spTree>
@@ -6687,7 +6818,7 @@
 </p:sld>
 </file>
 
-<file path=ppt/slides/slide5.xml><?xml version="1.0" encoding="utf-8"?>
+<file path=ppt/slides/slide6.xml><?xml version="1.0" encoding="utf-8"?>
 <p:sld xmlns:a="http://schemas.openxmlformats.org/drawingml/2006/main" xmlns:r="http://schemas.openxmlformats.org/officeDocument/2006/relationships" xmlns:p="http://schemas.openxmlformats.org/presentationml/2006/main">
   <p:cSld>
     <p:spTree>

--- a/박근모 - 메인/레이아웃.pptx
+++ b/박근모 - 메인/레이아웃.pptx
@@ -3818,9 +3818,9 @@
         <p:grpSpPr>
           <a:xfrm>
             <a:off x="4131425" y="2818015"/>
-            <a:ext cx="4048299" cy="723207"/>
+            <a:ext cx="3341717" cy="723207"/>
             <a:chOff x="3308465" y="1529542"/>
-            <a:chExt cx="4048299" cy="723207"/>
+            <a:chExt cx="3341717" cy="723207"/>
           </a:xfrm>
         </p:grpSpPr>
         <p:sp>
@@ -3832,7 +3832,7 @@
           <p:spPr>
             <a:xfrm>
               <a:off x="3308465" y="1529542"/>
-              <a:ext cx="4048299" cy="646331"/>
+              <a:ext cx="3341717" cy="646331"/>
             </a:xfrm>
             <a:prstGeom prst="rect">
               <a:avLst/>

--- a/박근모 - 메인/레이아웃.pptx
+++ b/박근모 - 메인/레이아웃.pptx
@@ -7040,8 +7040,8 @@
         </p:nvSpPr>
         <p:spPr>
           <a:xfrm>
-            <a:off x="3836209" y="2002180"/>
-            <a:ext cx="4460086" cy="399009"/>
+            <a:off x="3530774" y="2002180"/>
+            <a:ext cx="5070956" cy="2556247"/>
           </a:xfrm>
           <a:prstGeom prst="roundRect">
             <a:avLst>
@@ -7092,8 +7092,8 @@
         </p:nvSpPr>
         <p:spPr>
           <a:xfrm>
-            <a:off x="3530774" y="2635981"/>
-            <a:ext cx="5070956" cy="3706798"/>
+            <a:off x="3530774" y="4713315"/>
+            <a:ext cx="5070956" cy="1629463"/>
           </a:xfrm>
           <a:prstGeom prst="roundRect">
             <a:avLst>
@@ -7138,6 +7138,40 @@
               </a:rPr>
               <a:t>content</a:t>
             </a:r>
+          </a:p>
+        </p:txBody>
+      </p:sp>
+      <p:sp>
+        <p:nvSpPr>
+          <p:cNvPr id="2" name="TextBox 1"/>
+          <p:cNvSpPr txBox="1"/>
+          <p:nvPr/>
+        </p:nvSpPr>
+        <p:spPr>
+          <a:xfrm>
+            <a:off x="5752408" y="3095637"/>
+            <a:ext cx="723207" cy="369332"/>
+          </a:xfrm>
+          <a:prstGeom prst="rect">
+            <a:avLst/>
+          </a:prstGeom>
+          <a:noFill/>
+        </p:spPr>
+        <p:txBody>
+          <a:bodyPr wrap="square" rtlCol="0">
+            <a:spAutoFit/>
+          </a:bodyPr>
+          <a:lstStyle/>
+          <a:p>
+            <a:r>
+              <a:rPr lang="en-US" altLang="ko-KR" dirty="0"/>
+              <a:t>M</a:t>
+            </a:r>
+            <a:r>
+              <a:rPr lang="en-US" altLang="ko-KR" dirty="0" smtClean="0"/>
+              <a:t>ain</a:t>
+            </a:r>
+            <a:endParaRPr lang="ko-KR" altLang="en-US" dirty="0"/>
           </a:p>
         </p:txBody>
       </p:sp>

--- a/박근모 - 메인/레이아웃.pptx
+++ b/박근모 - 메인/레이아웃.pptx
@@ -248,7 +248,7 @@
           <a:p>
             <a:fld id="{44DCEC56-5DDD-442A-AD32-4E68F8E60BDD}" type="datetimeFigureOut">
               <a:rPr lang="ko-KR" altLang="en-US" smtClean="0"/>
-              <a:t>2024-06-13</a:t>
+              <a:t>2024-06-14</a:t>
             </a:fld>
             <a:endParaRPr lang="ko-KR" altLang="en-US"/>
           </a:p>
@@ -418,7 +418,7 @@
           <a:p>
             <a:fld id="{44DCEC56-5DDD-442A-AD32-4E68F8E60BDD}" type="datetimeFigureOut">
               <a:rPr lang="ko-KR" altLang="en-US" smtClean="0"/>
-              <a:t>2024-06-13</a:t>
+              <a:t>2024-06-14</a:t>
             </a:fld>
             <a:endParaRPr lang="ko-KR" altLang="en-US"/>
           </a:p>
@@ -598,7 +598,7 @@
           <a:p>
             <a:fld id="{44DCEC56-5DDD-442A-AD32-4E68F8E60BDD}" type="datetimeFigureOut">
               <a:rPr lang="ko-KR" altLang="en-US" smtClean="0"/>
-              <a:t>2024-06-13</a:t>
+              <a:t>2024-06-14</a:t>
             </a:fld>
             <a:endParaRPr lang="ko-KR" altLang="en-US"/>
           </a:p>
@@ -768,7 +768,7 @@
           <a:p>
             <a:fld id="{44DCEC56-5DDD-442A-AD32-4E68F8E60BDD}" type="datetimeFigureOut">
               <a:rPr lang="ko-KR" altLang="en-US" smtClean="0"/>
-              <a:t>2024-06-13</a:t>
+              <a:t>2024-06-14</a:t>
             </a:fld>
             <a:endParaRPr lang="ko-KR" altLang="en-US"/>
           </a:p>
@@ -1014,7 +1014,7 @@
           <a:p>
             <a:fld id="{44DCEC56-5DDD-442A-AD32-4E68F8E60BDD}" type="datetimeFigureOut">
               <a:rPr lang="ko-KR" altLang="en-US" smtClean="0"/>
-              <a:t>2024-06-13</a:t>
+              <a:t>2024-06-14</a:t>
             </a:fld>
             <a:endParaRPr lang="ko-KR" altLang="en-US"/>
           </a:p>
@@ -1246,7 +1246,7 @@
           <a:p>
             <a:fld id="{44DCEC56-5DDD-442A-AD32-4E68F8E60BDD}" type="datetimeFigureOut">
               <a:rPr lang="ko-KR" altLang="en-US" smtClean="0"/>
-              <a:t>2024-06-13</a:t>
+              <a:t>2024-06-14</a:t>
             </a:fld>
             <a:endParaRPr lang="ko-KR" altLang="en-US"/>
           </a:p>
@@ -1613,7 +1613,7 @@
           <a:p>
             <a:fld id="{44DCEC56-5DDD-442A-AD32-4E68F8E60BDD}" type="datetimeFigureOut">
               <a:rPr lang="ko-KR" altLang="en-US" smtClean="0"/>
-              <a:t>2024-06-13</a:t>
+              <a:t>2024-06-14</a:t>
             </a:fld>
             <a:endParaRPr lang="ko-KR" altLang="en-US"/>
           </a:p>
@@ -1731,7 +1731,7 @@
           <a:p>
             <a:fld id="{44DCEC56-5DDD-442A-AD32-4E68F8E60BDD}" type="datetimeFigureOut">
               <a:rPr lang="ko-KR" altLang="en-US" smtClean="0"/>
-              <a:t>2024-06-13</a:t>
+              <a:t>2024-06-14</a:t>
             </a:fld>
             <a:endParaRPr lang="ko-KR" altLang="en-US"/>
           </a:p>
@@ -1826,7 +1826,7 @@
           <a:p>
             <a:fld id="{44DCEC56-5DDD-442A-AD32-4E68F8E60BDD}" type="datetimeFigureOut">
               <a:rPr lang="ko-KR" altLang="en-US" smtClean="0"/>
-              <a:t>2024-06-13</a:t>
+              <a:t>2024-06-14</a:t>
             </a:fld>
             <a:endParaRPr lang="ko-KR" altLang="en-US"/>
           </a:p>
@@ -2103,7 +2103,7 @@
           <a:p>
             <a:fld id="{44DCEC56-5DDD-442A-AD32-4E68F8E60BDD}" type="datetimeFigureOut">
               <a:rPr lang="ko-KR" altLang="en-US" smtClean="0"/>
-              <a:t>2024-06-13</a:t>
+              <a:t>2024-06-14</a:t>
             </a:fld>
             <a:endParaRPr lang="ko-KR" altLang="en-US"/>
           </a:p>
@@ -2356,7 +2356,7 @@
           <a:p>
             <a:fld id="{44DCEC56-5DDD-442A-AD32-4E68F8E60BDD}" type="datetimeFigureOut">
               <a:rPr lang="ko-KR" altLang="en-US" smtClean="0"/>
-              <a:t>2024-06-13</a:t>
+              <a:t>2024-06-14</a:t>
             </a:fld>
             <a:endParaRPr lang="ko-KR" altLang="en-US"/>
           </a:p>
@@ -2569,7 +2569,7 @@
           <a:p>
             <a:fld id="{44DCEC56-5DDD-442A-AD32-4E68F8E60BDD}" type="datetimeFigureOut">
               <a:rPr lang="ko-KR" altLang="en-US" smtClean="0"/>
-              <a:t>2024-06-13</a:t>
+              <a:t>2024-06-14</a:t>
             </a:fld>
             <a:endParaRPr lang="ko-KR" altLang="en-US"/>
           </a:p>
@@ -3811,13 +3811,13 @@
       </p:grpSpPr>
       <p:grpSp>
         <p:nvGrpSpPr>
-          <p:cNvPr id="15" name="그룹 14"/>
+          <p:cNvPr id="6" name="그룹 5"/>
           <p:cNvGrpSpPr/>
           <p:nvPr/>
         </p:nvGrpSpPr>
         <p:grpSpPr>
           <a:xfrm>
-            <a:off x="4131425" y="2818015"/>
+            <a:off x="4258887" y="1615441"/>
             <a:ext cx="3341717" cy="723207"/>
             <a:chOff x="3308465" y="1529542"/>
             <a:chExt cx="3341717" cy="723207"/>
@@ -3825,7 +3825,7 @@
         </p:grpSpPr>
         <p:sp>
           <p:nvSpPr>
-            <p:cNvPr id="3" name="TextBox 2"/>
+            <p:cNvPr id="7" name="TextBox 6"/>
             <p:cNvSpPr txBox="1"/>
             <p:nvPr/>
           </p:nvSpPr>
@@ -3870,6 +3870,187 @@
                 <a:t> Love U</a:t>
               </a:r>
               <a:endParaRPr lang="ko-KR" altLang="en-US" sz="3600" dirty="0">
+                <a:latin typeface="배달의민족 주아" panose="02020603020101020101" pitchFamily="18" charset="-127"/>
+                <a:ea typeface="배달의민족 주아" panose="02020603020101020101" pitchFamily="18" charset="-127"/>
+              </a:endParaRPr>
+            </a:p>
+          </p:txBody>
+        </p:sp>
+        <p:sp>
+          <p:nvSpPr>
+            <p:cNvPr id="8" name="막힌 원호 7"/>
+            <p:cNvSpPr/>
+            <p:nvPr/>
+          </p:nvSpPr>
+          <p:spPr>
+            <a:xfrm flipV="1">
+              <a:off x="4630189" y="1834020"/>
+              <a:ext cx="407324" cy="418729"/>
+            </a:xfrm>
+            <a:prstGeom prst="blockArc">
+              <a:avLst>
+                <a:gd name="adj1" fmla="val 10800000"/>
+                <a:gd name="adj2" fmla="val 144430"/>
+                <a:gd name="adj3" fmla="val 19678"/>
+              </a:avLst>
+            </a:prstGeom>
+            <a:solidFill>
+              <a:srgbClr val="FF33CC"/>
+            </a:solidFill>
+            <a:ln>
+              <a:noFill/>
+            </a:ln>
+          </p:spPr>
+          <p:style>
+            <a:lnRef idx="2">
+              <a:schemeClr val="accent1">
+                <a:shade val="50000"/>
+              </a:schemeClr>
+            </a:lnRef>
+            <a:fillRef idx="1">
+              <a:schemeClr val="accent1"/>
+            </a:fillRef>
+            <a:effectRef idx="0">
+              <a:schemeClr val="accent1"/>
+            </a:effectRef>
+            <a:fontRef idx="minor">
+              <a:schemeClr val="lt1"/>
+            </a:fontRef>
+          </p:style>
+          <p:txBody>
+            <a:bodyPr rtlCol="0" anchor="ctr"/>
+            <a:lstStyle/>
+            <a:p>
+              <a:pPr algn="ctr"/>
+              <a:endParaRPr lang="ko-KR" altLang="en-US">
+                <a:solidFill>
+                  <a:schemeClr val="tx1"/>
+                </a:solidFill>
+              </a:endParaRPr>
+            </a:p>
+          </p:txBody>
+        </p:sp>
+      </p:grpSp>
+      <p:sp>
+        <p:nvSpPr>
+          <p:cNvPr id="2" name="직사각형 1"/>
+          <p:cNvSpPr/>
+          <p:nvPr/>
+        </p:nvSpPr>
+        <p:spPr>
+          <a:xfrm>
+            <a:off x="3183775" y="4256116"/>
+            <a:ext cx="5153890" cy="1895302"/>
+          </a:xfrm>
+          <a:prstGeom prst="rect">
+            <a:avLst/>
+          </a:prstGeom>
+          <a:ln>
+            <a:noFill/>
+          </a:ln>
+        </p:spPr>
+        <p:style>
+          <a:lnRef idx="2">
+            <a:schemeClr val="accent1">
+              <a:shade val="50000"/>
+            </a:schemeClr>
+          </a:lnRef>
+          <a:fillRef idx="1">
+            <a:schemeClr val="accent1"/>
+          </a:fillRef>
+          <a:effectRef idx="0">
+            <a:schemeClr val="accent1"/>
+          </a:effectRef>
+          <a:fontRef idx="minor">
+            <a:schemeClr val="lt1"/>
+          </a:fontRef>
+        </p:style>
+        <p:txBody>
+          <a:bodyPr rtlCol="0" anchor="ctr"/>
+          <a:lstStyle/>
+          <a:p>
+            <a:pPr algn="ctr"/>
+            <a:endParaRPr lang="ko-KR" altLang="en-US"/>
+          </a:p>
+        </p:txBody>
+      </p:sp>
+      <p:grpSp>
+        <p:nvGrpSpPr>
+          <p:cNvPr id="15" name="그룹 14"/>
+          <p:cNvGrpSpPr/>
+          <p:nvPr/>
+        </p:nvGrpSpPr>
+        <p:grpSpPr>
+          <a:xfrm>
+            <a:off x="4258886" y="4842163"/>
+            <a:ext cx="3341717" cy="723207"/>
+            <a:chOff x="3308465" y="1529542"/>
+            <a:chExt cx="3341717" cy="723207"/>
+          </a:xfrm>
+        </p:grpSpPr>
+        <p:sp>
+          <p:nvSpPr>
+            <p:cNvPr id="3" name="TextBox 2"/>
+            <p:cNvSpPr txBox="1"/>
+            <p:nvPr/>
+          </p:nvSpPr>
+          <p:spPr>
+            <a:xfrm>
+              <a:off x="3308465" y="1529542"/>
+              <a:ext cx="3341717" cy="646331"/>
+            </a:xfrm>
+            <a:prstGeom prst="rect">
+              <a:avLst/>
+            </a:prstGeom>
+            <a:noFill/>
+          </p:spPr>
+          <p:txBody>
+            <a:bodyPr wrap="square" rtlCol="0">
+              <a:spAutoFit/>
+            </a:bodyPr>
+            <a:lstStyle/>
+            <a:p>
+              <a:r>
+                <a:rPr lang="en-US" altLang="ko-KR" sz="3600" dirty="0" smtClean="0">
+                  <a:solidFill>
+                    <a:schemeClr val="bg1"/>
+                  </a:solidFill>
+                  <a:latin typeface="배달의민족 주아" panose="02020603020101020101" pitchFamily="18" charset="-127"/>
+                  <a:ea typeface="배달의민족 주아" panose="02020603020101020101" pitchFamily="18" charset="-127"/>
+                </a:rPr>
+                <a:t>Daeje</a:t>
+              </a:r>
+              <a:r>
+                <a:rPr lang="en-US" altLang="ko-KR" sz="3600" dirty="0" smtClean="0">
+                  <a:solidFill>
+                    <a:srgbClr val="FF33CC"/>
+                  </a:solidFill>
+                  <a:latin typeface="배달의민족 주아" panose="02020603020101020101" pitchFamily="18" charset="-127"/>
+                  <a:ea typeface="배달의민족 주아" panose="02020603020101020101" pitchFamily="18" charset="-127"/>
+                </a:rPr>
+                <a:t>on</a:t>
+              </a:r>
+              <a:r>
+                <a:rPr lang="en-US" altLang="ko-KR" sz="3600" dirty="0" smtClean="0">
+                  <a:latin typeface="배달의민족 주아" panose="02020603020101020101" pitchFamily="18" charset="-127"/>
+                  <a:ea typeface="배달의민족 주아" panose="02020603020101020101" pitchFamily="18" charset="-127"/>
+                </a:rPr>
+                <a:t> </a:t>
+              </a:r>
+              <a:r>
+                <a:rPr lang="en-US" altLang="ko-KR" sz="3600" dirty="0" smtClean="0">
+                  <a:solidFill>
+                    <a:schemeClr val="bg1"/>
+                  </a:solidFill>
+                  <a:latin typeface="배달의민족 주아" panose="02020603020101020101" pitchFamily="18" charset="-127"/>
+                  <a:ea typeface="배달의민족 주아" panose="02020603020101020101" pitchFamily="18" charset="-127"/>
+                </a:rPr>
+                <a:t>Love U</a:t>
+              </a:r>
+              <a:endParaRPr lang="ko-KR" altLang="en-US" sz="3600" dirty="0">
+                <a:solidFill>
+                  <a:schemeClr val="bg1"/>
+                </a:solidFill>
                 <a:latin typeface="배달의민족 주아" panose="02020603020101020101" pitchFamily="18" charset="-127"/>
                 <a:ea typeface="배달의민족 주아" panose="02020603020101020101" pitchFamily="18" charset="-127"/>
               </a:endParaRPr>
